--- a/Project Artifacts/Project Retrospective.pptx
+++ b/Project Artifacts/Project Retrospective.pptx
@@ -6,6 +6,8 @@
   </p:sldMasterIdLst>
   <p:sldIdLst>
     <p:sldId id="257" r:id="rId2"/>
+    <p:sldId id="260" r:id="rId3"/>
+    <p:sldId id="259" r:id="rId4"/>
   </p:sldIdLst>
   <p:sldSz cx="12192000" cy="6858000"/>
   <p:notesSz cx="6858000" cy="9144000"/>
@@ -104,7 +106,16 @@
       </a:defRPr>
     </a:lvl9pPr>
   </p:defaultTextStyle>
+  <p:extLst>
+    <p:ext uri="{EFAFB233-063F-42B5-8137-9DF3F51BA10A}">
+      <p15:sldGuideLst xmlns:p15="http://schemas.microsoft.com/office/powerpoint/2012/main"/>
+    </p:ext>
+  </p:extLst>
 </p:presentation>
+</file>
+
+<file path=ppt/revisionInfo.xml><?xml version="1.0" encoding="utf-8"?>
+<p1510:revInfo xmlns:a="http://schemas.openxmlformats.org/drawingml/2006/main" xmlns:r="http://schemas.openxmlformats.org/officeDocument/2006/relationships" xmlns:p1510="http://schemas.microsoft.com/office/powerpoint/2015/10/main"/>
 </file>
 
 <file path=ppt/slideLayouts/slideLayout1.xml><?xml version="1.0" encoding="utf-8"?>
@@ -254,7 +265,7 @@
           <a:p>
             <a:fld id="{9BE35F54-CFEC-4871-97A0-D255E7C52262}" type="datetimeFigureOut">
               <a:rPr lang="en-US" smtClean="0"/>
-              <a:t>11/23/2017</a:t>
+              <a:t>11/24/2017</a:t>
             </a:fld>
             <a:endParaRPr lang="en-US"/>
           </a:p>
@@ -452,7 +463,7 @@
           <a:p>
             <a:fld id="{9BE35F54-CFEC-4871-97A0-D255E7C52262}" type="datetimeFigureOut">
               <a:rPr lang="en-US" smtClean="0"/>
-              <a:t>11/23/2017</a:t>
+              <a:t>11/24/2017</a:t>
             </a:fld>
             <a:endParaRPr lang="en-US"/>
           </a:p>
@@ -660,7 +671,7 @@
           <a:p>
             <a:fld id="{9BE35F54-CFEC-4871-97A0-D255E7C52262}" type="datetimeFigureOut">
               <a:rPr lang="en-US" smtClean="0"/>
-              <a:t>11/23/2017</a:t>
+              <a:t>11/24/2017</a:t>
             </a:fld>
             <a:endParaRPr lang="en-US"/>
           </a:p>
@@ -858,7 +869,7 @@
           <a:p>
             <a:fld id="{9BE35F54-CFEC-4871-97A0-D255E7C52262}" type="datetimeFigureOut">
               <a:rPr lang="en-US" smtClean="0"/>
-              <a:t>11/23/2017</a:t>
+              <a:t>11/24/2017</a:t>
             </a:fld>
             <a:endParaRPr lang="en-US"/>
           </a:p>
@@ -1133,7 +1144,7 @@
           <a:p>
             <a:fld id="{9BE35F54-CFEC-4871-97A0-D255E7C52262}" type="datetimeFigureOut">
               <a:rPr lang="en-US" smtClean="0"/>
-              <a:t>11/23/2017</a:t>
+              <a:t>11/24/2017</a:t>
             </a:fld>
             <a:endParaRPr lang="en-US"/>
           </a:p>
@@ -1398,7 +1409,7 @@
           <a:p>
             <a:fld id="{9BE35F54-CFEC-4871-97A0-D255E7C52262}" type="datetimeFigureOut">
               <a:rPr lang="en-US" smtClean="0"/>
-              <a:t>11/23/2017</a:t>
+              <a:t>11/24/2017</a:t>
             </a:fld>
             <a:endParaRPr lang="en-US"/>
           </a:p>
@@ -1810,7 +1821,7 @@
           <a:p>
             <a:fld id="{9BE35F54-CFEC-4871-97A0-D255E7C52262}" type="datetimeFigureOut">
               <a:rPr lang="en-US" smtClean="0"/>
-              <a:t>11/23/2017</a:t>
+              <a:t>11/24/2017</a:t>
             </a:fld>
             <a:endParaRPr lang="en-US"/>
           </a:p>
@@ -1951,7 +1962,7 @@
           <a:p>
             <a:fld id="{9BE35F54-CFEC-4871-97A0-D255E7C52262}" type="datetimeFigureOut">
               <a:rPr lang="en-US" smtClean="0"/>
-              <a:t>11/23/2017</a:t>
+              <a:t>11/24/2017</a:t>
             </a:fld>
             <a:endParaRPr lang="en-US"/>
           </a:p>
@@ -2064,7 +2075,7 @@
           <a:p>
             <a:fld id="{9BE35F54-CFEC-4871-97A0-D255E7C52262}" type="datetimeFigureOut">
               <a:rPr lang="en-US" smtClean="0"/>
-              <a:t>11/23/2017</a:t>
+              <a:t>11/24/2017</a:t>
             </a:fld>
             <a:endParaRPr lang="en-US"/>
           </a:p>
@@ -2375,7 +2386,7 @@
           <a:p>
             <a:fld id="{9BE35F54-CFEC-4871-97A0-D255E7C52262}" type="datetimeFigureOut">
               <a:rPr lang="en-US" smtClean="0"/>
-              <a:t>11/23/2017</a:t>
+              <a:t>11/24/2017</a:t>
             </a:fld>
             <a:endParaRPr lang="en-US"/>
           </a:p>
@@ -2663,7 +2674,7 @@
           <a:p>
             <a:fld id="{9BE35F54-CFEC-4871-97A0-D255E7C52262}" type="datetimeFigureOut">
               <a:rPr lang="en-US" smtClean="0"/>
-              <a:t>11/23/2017</a:t>
+              <a:t>11/24/2017</a:t>
             </a:fld>
             <a:endParaRPr lang="en-US"/>
           </a:p>
@@ -2904,7 +2915,7 @@
           <a:p>
             <a:fld id="{9BE35F54-CFEC-4871-97A0-D255E7C52262}" type="datetimeFigureOut">
               <a:rPr lang="en-US" smtClean="0"/>
-              <a:t>11/23/2017</a:t>
+              <a:t>11/24/2017</a:t>
             </a:fld>
             <a:endParaRPr lang="en-US"/>
           </a:p>
@@ -3384,7 +3395,7 @@
                   <a:schemeClr val="tx1"/>
                 </a:solidFill>
               </a:rPr>
-              <a:t>Frequent collaboration.</a:t>
+              <a:t>Frequent collaboration and good team work.</a:t>
             </a:r>
           </a:p>
           <a:p>
@@ -3398,9 +3409,14 @@
             </a:r>
           </a:p>
           <a:p>
-            <a:endParaRPr lang="en-US" dirty="0"/>
-          </a:p>
-          <a:p>
+            <a:r>
+              <a:rPr lang="en-US" dirty="0">
+                <a:solidFill>
+                  <a:schemeClr val="tx1"/>
+                </a:solidFill>
+              </a:rPr>
+              <a:t>Implementation of Design Patterns in JAVA.</a:t>
+            </a:r>
             <a:endParaRPr lang="en-US" dirty="0"/>
           </a:p>
         </p:txBody>
@@ -3787,6 +3803,236 @@
     <p:extLst>
       <p:ext uri="{BB962C8B-B14F-4D97-AF65-F5344CB8AC3E}">
         <p14:creationId xmlns:p14="http://schemas.microsoft.com/office/powerpoint/2010/main" val="1657591426"/>
+      </p:ext>
+    </p:extLst>
+  </p:cSld>
+  <p:clrMapOvr>
+    <a:masterClrMapping/>
+  </p:clrMapOvr>
+</p:sld>
+</file>
+
+<file path=ppt/slides/slide2.xml><?xml version="1.0" encoding="utf-8"?>
+<p:sld xmlns:a="http://schemas.openxmlformats.org/drawingml/2006/main" xmlns:r="http://schemas.openxmlformats.org/officeDocument/2006/relationships" xmlns:p="http://schemas.openxmlformats.org/presentationml/2006/main">
+  <p:cSld>
+    <p:spTree>
+      <p:nvGrpSpPr>
+        <p:cNvPr id="1" name=""/>
+        <p:cNvGrpSpPr/>
+        <p:nvPr/>
+      </p:nvGrpSpPr>
+      <p:grpSpPr>
+        <a:xfrm>
+          <a:off x="0" y="0"/>
+          <a:ext cx="0" cy="0"/>
+          <a:chOff x="0" y="0"/>
+          <a:chExt cx="0" cy="0"/>
+        </a:xfrm>
+      </p:grpSpPr>
+      <p:sp>
+        <p:nvSpPr>
+          <p:cNvPr id="3" name="Content Placeholder 2">
+            <a:extLst>
+              <a:ext uri="{FF2B5EF4-FFF2-40B4-BE49-F238E27FC236}">
+                <a16:creationId xmlns:a16="http://schemas.microsoft.com/office/drawing/2014/main" id="{55F91E9B-D61A-4CC0-8EE4-48986BFB471D}"/>
+              </a:ext>
+            </a:extLst>
+          </p:cNvPr>
+          <p:cNvSpPr>
+            <a:spLocks noGrp="1"/>
+          </p:cNvSpPr>
+          <p:nvPr>
+            <p:ph idx="1"/>
+          </p:nvPr>
+        </p:nvSpPr>
+        <p:spPr>
+          <a:xfrm>
+            <a:off x="838200" y="688932"/>
+            <a:ext cx="10515600" cy="5488031"/>
+          </a:xfrm>
+        </p:spPr>
+        <p:txBody>
+          <a:bodyPr/>
+          <a:lstStyle/>
+          <a:p>
+            <a:pPr marL="0" indent="0">
+              <a:buNone/>
+            </a:pPr>
+            <a:r>
+              <a:rPr lang="en-US" dirty="0"/>
+              <a:t>Project’s </a:t>
+            </a:r>
+            <a:r>
+              <a:rPr lang="en-US"/>
+              <a:t>retrospective in-detail, from </a:t>
+            </a:r>
+            <a:r>
+              <a:rPr lang="en-US" dirty="0"/>
+              <a:t>a team’s perspective and from every team member’s perspective are available in the </a:t>
+            </a:r>
+            <a:r>
+              <a:rPr lang="en-US" dirty="0" err="1"/>
+              <a:t>Github</a:t>
+            </a:r>
+            <a:r>
+              <a:rPr lang="en-US" dirty="0"/>
+              <a:t>, the links for which are available in the next slide.</a:t>
+            </a:r>
+          </a:p>
+        </p:txBody>
+      </p:sp>
+    </p:spTree>
+    <p:extLst>
+      <p:ext uri="{BB962C8B-B14F-4D97-AF65-F5344CB8AC3E}">
+        <p14:creationId xmlns:p14="http://schemas.microsoft.com/office/powerpoint/2010/main" val="4261928309"/>
+      </p:ext>
+    </p:extLst>
+  </p:cSld>
+  <p:clrMapOvr>
+    <a:masterClrMapping/>
+  </p:clrMapOvr>
+</p:sld>
+</file>
+
+<file path=ppt/slides/slide3.xml><?xml version="1.0" encoding="utf-8"?>
+<p:sld xmlns:a="http://schemas.openxmlformats.org/drawingml/2006/main" xmlns:r="http://schemas.openxmlformats.org/officeDocument/2006/relationships" xmlns:p="http://schemas.openxmlformats.org/presentationml/2006/main">
+  <p:cSld>
+    <p:spTree>
+      <p:nvGrpSpPr>
+        <p:cNvPr id="1" name=""/>
+        <p:cNvGrpSpPr/>
+        <p:nvPr/>
+      </p:nvGrpSpPr>
+      <p:grpSpPr>
+        <a:xfrm>
+          <a:off x="0" y="0"/>
+          <a:ext cx="0" cy="0"/>
+          <a:chOff x="0" y="0"/>
+          <a:chExt cx="0" cy="0"/>
+        </a:xfrm>
+      </p:grpSpPr>
+      <p:sp>
+        <p:nvSpPr>
+          <p:cNvPr id="2" name="Title 1">
+            <a:extLst>
+              <a:ext uri="{FF2B5EF4-FFF2-40B4-BE49-F238E27FC236}">
+                <a16:creationId xmlns:a16="http://schemas.microsoft.com/office/drawing/2014/main" id="{12147220-C30B-46E0-B342-F1FB8EB7E593}"/>
+              </a:ext>
+            </a:extLst>
+          </p:cNvPr>
+          <p:cNvSpPr>
+            <a:spLocks noGrp="1"/>
+          </p:cNvSpPr>
+          <p:nvPr>
+            <p:ph type="title"/>
+          </p:nvPr>
+        </p:nvSpPr>
+        <p:spPr/>
+        <p:txBody>
+          <a:bodyPr/>
+          <a:lstStyle/>
+          <a:p>
+            <a:r>
+              <a:rPr lang="en-US" dirty="0"/>
+              <a:t>Team Wiki and Individual Wikis</a:t>
+            </a:r>
+          </a:p>
+        </p:txBody>
+      </p:sp>
+      <p:sp>
+        <p:nvSpPr>
+          <p:cNvPr id="3" name="Content Placeholder 2">
+            <a:extLst>
+              <a:ext uri="{FF2B5EF4-FFF2-40B4-BE49-F238E27FC236}">
+                <a16:creationId xmlns:a16="http://schemas.microsoft.com/office/drawing/2014/main" id="{4871B37E-EA94-4E40-9D59-77E16638EFFE}"/>
+              </a:ext>
+            </a:extLst>
+          </p:cNvPr>
+          <p:cNvSpPr>
+            <a:spLocks noGrp="1"/>
+          </p:cNvSpPr>
+          <p:nvPr>
+            <p:ph idx="1"/>
+          </p:nvPr>
+        </p:nvSpPr>
+        <p:spPr/>
+        <p:txBody>
+          <a:bodyPr>
+            <a:normAutofit fontScale="92500"/>
+          </a:bodyPr>
+          <a:lstStyle/>
+          <a:p>
+            <a:r>
+              <a:rPr lang="en-US" dirty="0"/>
+              <a:t>TEAM WIKI: </a:t>
+            </a:r>
+            <a:r>
+              <a:rPr lang="en-US" dirty="0">
+                <a:hlinkClick r:id="rId2"/>
+              </a:rPr>
+              <a:t>https://github.com/nguyensjsu/cmpe202-monstars/blob/master/TeamWiki.md</a:t>
+            </a:r>
+            <a:endParaRPr lang="en-US" dirty="0"/>
+          </a:p>
+          <a:p>
+            <a:r>
+              <a:rPr lang="en-US" dirty="0"/>
+              <a:t>INDIVIDUAL WIKIs:</a:t>
+            </a:r>
+          </a:p>
+          <a:p>
+            <a:pPr lvl="1"/>
+            <a:r>
+              <a:rPr lang="en-US" dirty="0">
+                <a:hlinkClick r:id="rId3"/>
+              </a:rPr>
+              <a:t>https://github.com/nguyensjsu/cmpe202-monstars/blob/master/AvniGulatiWiki.md</a:t>
+            </a:r>
+            <a:endParaRPr lang="en-US" dirty="0"/>
+          </a:p>
+          <a:p>
+            <a:pPr lvl="1"/>
+            <a:r>
+              <a:rPr lang="en-US" dirty="0">
+                <a:hlinkClick r:id="rId4"/>
+              </a:rPr>
+              <a:t>https://github.com/nguyensjsu/cmpe202-monstars/blob/master/IshwaryaVaradarajanWiki.md</a:t>
+            </a:r>
+            <a:endParaRPr lang="en-US" dirty="0"/>
+          </a:p>
+          <a:p>
+            <a:pPr lvl="1"/>
+            <a:r>
+              <a:rPr lang="en-US" dirty="0">
+                <a:hlinkClick r:id="rId5"/>
+              </a:rPr>
+              <a:t>https://github.com/nguyensjsu/cmpe202-monstars/blob/master/RuchaApteWiki.md</a:t>
+            </a:r>
+            <a:endParaRPr lang="en-US" dirty="0"/>
+          </a:p>
+          <a:p>
+            <a:pPr lvl="1"/>
+            <a:r>
+              <a:rPr lang="en-US" dirty="0">
+                <a:hlinkClick r:id="rId6"/>
+              </a:rPr>
+              <a:t>https://github.com/nguyensjsu/cmpe202-monstars/blob/master/SowmyaGowrishankarWiki.md</a:t>
+            </a:r>
+            <a:endParaRPr lang="en-US" dirty="0"/>
+          </a:p>
+          <a:p>
+            <a:pPr lvl="1"/>
+            <a:r>
+              <a:rPr lang="en-US" dirty="0"/>
+              <a:t>https://github.com/nguyensjsu/cmpe202-monstars/blob/master/SowmyaViswanathanWiki.md</a:t>
+            </a:r>
+          </a:p>
+        </p:txBody>
+      </p:sp>
+    </p:spTree>
+    <p:extLst>
+      <p:ext uri="{BB962C8B-B14F-4D97-AF65-F5344CB8AC3E}">
+        <p14:creationId xmlns:p14="http://schemas.microsoft.com/office/powerpoint/2010/main" val="2684527314"/>
       </p:ext>
     </p:extLst>
   </p:cSld>
